--- a/DSCI6001/DSCI6001_Final_Presetation.pptx
+++ b/DSCI6001/DSCI6001_Final_Presetation.pptx
@@ -5,16 +5,17 @@
     <p:sldMasterId id="2147483880" r:id="rId1"/>
   </p:sldMasterIdLst>
   <p:notesMasterIdLst>
-    <p:notesMasterId r:id="rId6"/>
+    <p:notesMasterId r:id="rId7"/>
   </p:notesMasterIdLst>
   <p:handoutMasterIdLst>
-    <p:handoutMasterId r:id="rId7"/>
+    <p:handoutMasterId r:id="rId8"/>
   </p:handoutMasterIdLst>
   <p:sldIdLst>
     <p:sldId id="256" r:id="rId2"/>
     <p:sldId id="266" r:id="rId3"/>
     <p:sldId id="264" r:id="rId4"/>
     <p:sldId id="270" r:id="rId5"/>
+    <p:sldId id="271" r:id="rId6"/>
   </p:sldIdLst>
   <p:sldSz cx="9144000" cy="6858000" type="screen4x3"/>
   <p:notesSz cx="6797675" cy="9926638"/>
@@ -4244,11 +4245,6 @@
               </a:rPr>
               <a:t>Decomposition</a:t>
             </a:r>
-            <a:endParaRPr lang="en-US" altLang="ko-KR" b="1" dirty="0" smtClean="0">
-              <a:solidFill>
-                <a:schemeClr val="bg1"/>
-              </a:solidFill>
-            </a:endParaRPr>
           </a:p>
         </p:txBody>
       </p:sp>
@@ -4298,11 +4294,6 @@
               </a:rPr>
               <a:t>DSCI6001</a:t>
             </a:r>
-            <a:endParaRPr lang="en-US" altLang="ko-KR" dirty="0" smtClean="0">
-              <a:solidFill>
-                <a:schemeClr val="bg1"/>
-              </a:solidFill>
-            </a:endParaRPr>
           </a:p>
         </p:txBody>
       </p:sp>
@@ -4748,12 +4739,6 @@
               </a:rPr>
               <a:t>Work Flow</a:t>
             </a:r>
-            <a:endParaRPr lang="en-US" altLang="ko-KR" sz="3600" b="1" u="sng" dirty="0" smtClean="0">
-              <a:solidFill>
-                <a:schemeClr val="bg1"/>
-              </a:solidFill>
-              <a:sym typeface="Wingdings" pitchFamily="2" charset="2"/>
-            </a:endParaRPr>
           </a:p>
           <a:p>
             <a:pPr>
@@ -4950,148 +4935,14 @@
         </p:blipFill>
         <p:spPr>
           <a:xfrm>
-            <a:off x="457200" y="1124744"/>
-            <a:ext cx="8229600" cy="3240360"/>
+            <a:off x="734988" y="3429000"/>
+            <a:ext cx="7674024" cy="3096343"/>
           </a:xfrm>
         </p:spPr>
       </p:pic>
-      <p:sp>
-        <p:nvSpPr>
-          <p:cNvPr id="5" name="텍스트 상자 4"/>
-          <p:cNvSpPr txBox="1"/>
-          <p:nvPr/>
-        </p:nvSpPr>
-        <p:spPr>
-          <a:xfrm>
-            <a:off x="287524" y="4523110"/>
-            <a:ext cx="8568952" cy="2031325"/>
-          </a:xfrm>
-          <a:prstGeom prst="rect">
-            <a:avLst/>
-          </a:prstGeom>
-          <a:noFill/>
-        </p:spPr>
-        <p:txBody>
-          <a:bodyPr wrap="square" rtlCol="0">
-            <a:spAutoFit/>
-          </a:bodyPr>
-          <a:lstStyle/>
-          <a:p>
-            <a:r>
-              <a:rPr lang="en-US" altLang="ko-KR" sz="3200" b="1" u="sng" dirty="0" smtClean="0">
-                <a:solidFill>
-                  <a:schemeClr val="bg1"/>
-                </a:solidFill>
-                <a:latin typeface="+mn-lt"/>
-                <a:ea typeface="+mn-ea"/>
-              </a:rPr>
-              <a:t>Price </a:t>
-            </a:r>
-            <a:r>
-              <a:rPr lang="en-US" altLang="ko-KR" sz="3200" b="1" u="sng" dirty="0" err="1" smtClean="0">
-                <a:solidFill>
-                  <a:schemeClr val="bg1"/>
-                </a:solidFill>
-                <a:latin typeface="+mn-lt"/>
-                <a:ea typeface="+mn-ea"/>
-              </a:rPr>
-              <a:t>Pridict</a:t>
-            </a:r>
-            <a:endParaRPr lang="en-US" altLang="ko-KR" sz="3200" b="1" u="sng" dirty="0" smtClean="0">
-              <a:solidFill>
-                <a:schemeClr val="bg1"/>
-              </a:solidFill>
-              <a:latin typeface="+mn-lt"/>
-              <a:ea typeface="+mn-ea"/>
-            </a:endParaRPr>
-          </a:p>
-          <a:p>
-            <a:endParaRPr lang="en-US" altLang="ko-KR" sz="1200" b="1" u="sng" dirty="0" smtClean="0">
-              <a:solidFill>
-                <a:schemeClr val="bg1"/>
-              </a:solidFill>
-              <a:latin typeface="+mn-lt"/>
-              <a:ea typeface="+mn-ea"/>
-            </a:endParaRPr>
-          </a:p>
-          <a:p>
-            <a:pPr marL="457200" indent="-457200">
-              <a:buFont typeface="Arial" charset="0"/>
-              <a:buChar char="•"/>
-            </a:pPr>
-            <a:r>
-              <a:rPr lang="en-US" altLang="ko-KR" sz="3200" dirty="0" smtClean="0">
-                <a:solidFill>
-                  <a:schemeClr val="bg1"/>
-                </a:solidFill>
-                <a:latin typeface="+mn-lt"/>
-                <a:ea typeface="+mn-ea"/>
-              </a:rPr>
-              <a:t> Less </a:t>
-            </a:r>
-            <a:r>
-              <a:rPr lang="en-US" altLang="ko-KR" sz="3200" dirty="0">
-                <a:solidFill>
-                  <a:schemeClr val="bg1"/>
-                </a:solidFill>
-                <a:latin typeface="+mn-lt"/>
-                <a:ea typeface="+mn-ea"/>
-              </a:rPr>
-              <a:t>Risk </a:t>
-            </a:r>
-            <a:r>
-              <a:rPr lang="en-US" altLang="ko-KR" sz="3200" dirty="0" smtClean="0">
-                <a:solidFill>
-                  <a:schemeClr val="bg1"/>
-                </a:solidFill>
-                <a:latin typeface="+mn-lt"/>
-                <a:ea typeface="+mn-ea"/>
-              </a:rPr>
-              <a:t>Stock :</a:t>
-            </a:r>
-            <a:endParaRPr lang="en-US" altLang="ko-KR" dirty="0" smtClean="0"/>
-          </a:p>
-          <a:p>
-            <a:endParaRPr kumimoji="1" lang="en-US" altLang="ko-KR" dirty="0"/>
-          </a:p>
-          <a:p>
-            <a:pPr marL="457200" indent="-457200">
-              <a:buFont typeface="Arial" charset="0"/>
-              <a:buChar char="•"/>
-            </a:pPr>
-            <a:r>
-              <a:rPr lang="en-US" altLang="ko-KR" sz="3200" dirty="0">
-                <a:solidFill>
-                  <a:schemeClr val="bg1"/>
-                </a:solidFill>
-                <a:latin typeface="+mn-lt"/>
-                <a:ea typeface="+mn-ea"/>
-              </a:rPr>
-              <a:t>More Risk </a:t>
-            </a:r>
-            <a:r>
-              <a:rPr lang="en-US" altLang="ko-KR" sz="3200" dirty="0" smtClean="0">
-                <a:solidFill>
-                  <a:schemeClr val="bg1"/>
-                </a:solidFill>
-                <a:latin typeface="+mn-lt"/>
-                <a:ea typeface="+mn-ea"/>
-              </a:rPr>
-              <a:t>Stock :</a:t>
-            </a:r>
-            <a:endParaRPr lang="ko-KR" altLang="en-US" sz="3200" dirty="0">
-              <a:solidFill>
-                <a:schemeClr val="bg1"/>
-              </a:solidFill>
-              <a:latin typeface="+mn-lt"/>
-              <a:ea typeface="+mn-ea"/>
-            </a:endParaRPr>
-          </a:p>
-        </p:txBody>
-      </p:sp>
       <p:pic>
         <p:nvPicPr>
-          <p:cNvPr id="6" name="그림 5"/>
+          <p:cNvPr id="3" name="그림 2"/>
           <p:cNvPicPr>
             <a:picLocks noChangeAspect="1"/>
           </p:cNvPicPr>
@@ -5111,7 +4962,196 @@
         </p:blipFill>
         <p:spPr>
           <a:xfrm>
-            <a:off x="4211960" y="5373672"/>
+            <a:off x="712662" y="1128737"/>
+            <a:ext cx="7696349" cy="2146300"/>
+          </a:xfrm>
+          <a:prstGeom prst="rect">
+            <a:avLst/>
+          </a:prstGeom>
+        </p:spPr>
+      </p:pic>
+    </p:spTree>
+  </p:cSld>
+  <p:clrMapOvr>
+    <a:masterClrMapping/>
+  </p:clrMapOvr>
+</p:sld>
+</file>
+
+<file path=ppt/slides/slide5.xml><?xml version="1.0" encoding="utf-8"?>
+<p:sld xmlns:a="http://schemas.openxmlformats.org/drawingml/2006/main" xmlns:r="http://schemas.openxmlformats.org/officeDocument/2006/relationships" xmlns:p="http://schemas.openxmlformats.org/presentationml/2006/main">
+  <p:cSld>
+    <p:spTree>
+      <p:nvGrpSpPr>
+        <p:cNvPr id="1" name=""/>
+        <p:cNvGrpSpPr/>
+        <p:nvPr/>
+      </p:nvGrpSpPr>
+      <p:grpSpPr>
+        <a:xfrm>
+          <a:off x="0" y="0"/>
+          <a:ext cx="0" cy="0"/>
+          <a:chOff x="0" y="0"/>
+          <a:chExt cx="0" cy="0"/>
+        </a:xfrm>
+      </p:grpSpPr>
+      <p:sp>
+        <p:nvSpPr>
+          <p:cNvPr id="5" name="텍스트 상자 4"/>
+          <p:cNvSpPr txBox="1"/>
+          <p:nvPr/>
+        </p:nvSpPr>
+        <p:spPr>
+          <a:xfrm>
+            <a:off x="568797" y="702162"/>
+            <a:ext cx="8568952" cy="2031325"/>
+          </a:xfrm>
+          <a:prstGeom prst="rect">
+            <a:avLst/>
+          </a:prstGeom>
+          <a:noFill/>
+        </p:spPr>
+        <p:txBody>
+          <a:bodyPr wrap="square" rtlCol="0">
+            <a:spAutoFit/>
+          </a:bodyPr>
+          <a:lstStyle/>
+          <a:p>
+            <a:r>
+              <a:rPr lang="en-US" altLang="ko-KR" sz="3200" b="1" u="sng" dirty="0" smtClean="0">
+                <a:solidFill>
+                  <a:schemeClr val="bg1"/>
+                </a:solidFill>
+                <a:latin typeface="+mn-lt"/>
+                <a:ea typeface="+mn-ea"/>
+              </a:rPr>
+              <a:t>Price </a:t>
+            </a:r>
+            <a:r>
+              <a:rPr lang="en-US" altLang="ko-KR" sz="3200" b="1" u="sng" dirty="0" err="1" smtClean="0">
+                <a:solidFill>
+                  <a:schemeClr val="bg1"/>
+                </a:solidFill>
+                <a:latin typeface="+mn-lt"/>
+                <a:ea typeface="+mn-ea"/>
+              </a:rPr>
+              <a:t>Pridict</a:t>
+            </a:r>
+            <a:endParaRPr lang="en-US" altLang="ko-KR" sz="3200" b="1" u="sng" dirty="0" smtClean="0">
+              <a:solidFill>
+                <a:schemeClr val="bg1"/>
+              </a:solidFill>
+              <a:latin typeface="+mn-lt"/>
+              <a:ea typeface="+mn-ea"/>
+            </a:endParaRPr>
+          </a:p>
+          <a:p>
+            <a:endParaRPr lang="en-US" altLang="ko-KR" sz="1200" b="1" u="sng" dirty="0" smtClean="0">
+              <a:solidFill>
+                <a:schemeClr val="bg1"/>
+              </a:solidFill>
+              <a:latin typeface="+mn-lt"/>
+              <a:ea typeface="+mn-ea"/>
+            </a:endParaRPr>
+          </a:p>
+          <a:p>
+            <a:pPr marL="457200" indent="-457200">
+              <a:buFont typeface="Arial" charset="0"/>
+              <a:buChar char="•"/>
+            </a:pPr>
+            <a:r>
+              <a:rPr lang="en-US" altLang="ko-KR" sz="3200" dirty="0" smtClean="0">
+                <a:solidFill>
+                  <a:schemeClr val="bg1"/>
+                </a:solidFill>
+                <a:latin typeface="+mn-lt"/>
+                <a:ea typeface="+mn-ea"/>
+              </a:rPr>
+              <a:t>Less </a:t>
+            </a:r>
+            <a:r>
+              <a:rPr lang="en-US" altLang="ko-KR" sz="3200" dirty="0">
+                <a:solidFill>
+                  <a:schemeClr val="bg1"/>
+                </a:solidFill>
+                <a:latin typeface="+mn-lt"/>
+                <a:ea typeface="+mn-ea"/>
+              </a:rPr>
+              <a:t>Risk </a:t>
+            </a:r>
+            <a:r>
+              <a:rPr lang="en-US" altLang="ko-KR" sz="3200" dirty="0" smtClean="0">
+                <a:solidFill>
+                  <a:schemeClr val="bg1"/>
+                </a:solidFill>
+                <a:latin typeface="+mn-lt"/>
+                <a:ea typeface="+mn-ea"/>
+              </a:rPr>
+              <a:t>Stock :</a:t>
+            </a:r>
+            <a:endParaRPr lang="en-US" altLang="ko-KR" dirty="0" smtClean="0"/>
+          </a:p>
+          <a:p>
+            <a:endParaRPr kumimoji="1" lang="en-US" altLang="ko-KR" dirty="0"/>
+          </a:p>
+          <a:p>
+            <a:pPr marL="457200" indent="-457200">
+              <a:buFont typeface="Arial" charset="0"/>
+              <a:buChar char="•"/>
+            </a:pPr>
+            <a:r>
+              <a:rPr lang="en-US" altLang="ko-KR" sz="3200" dirty="0">
+                <a:solidFill>
+                  <a:schemeClr val="bg1"/>
+                </a:solidFill>
+                <a:latin typeface="+mn-lt"/>
+                <a:ea typeface="+mn-ea"/>
+              </a:rPr>
+              <a:t>More Risk </a:t>
+            </a:r>
+            <a:r>
+              <a:rPr lang="en-US" altLang="ko-KR" sz="3200" dirty="0" smtClean="0">
+                <a:solidFill>
+                  <a:schemeClr val="bg1"/>
+                </a:solidFill>
+                <a:latin typeface="+mn-lt"/>
+                <a:ea typeface="+mn-ea"/>
+              </a:rPr>
+              <a:t>Stock :</a:t>
+            </a:r>
+            <a:endParaRPr lang="ko-KR" altLang="en-US" sz="3200" dirty="0">
+              <a:solidFill>
+                <a:schemeClr val="bg1"/>
+              </a:solidFill>
+              <a:latin typeface="+mn-lt"/>
+              <a:ea typeface="+mn-ea"/>
+            </a:endParaRPr>
+          </a:p>
+        </p:txBody>
+      </p:sp>
+      <p:pic>
+        <p:nvPicPr>
+          <p:cNvPr id="6" name="그림 5"/>
+          <p:cNvPicPr>
+            <a:picLocks noChangeAspect="1"/>
+          </p:cNvPicPr>
+          <p:nvPr/>
+        </p:nvPicPr>
+        <p:blipFill>
+          <a:blip r:embed="rId2">
+            <a:extLst>
+              <a:ext uri="{28A0092B-C50C-407E-A947-70E740481C1C}">
+                <a14:useLocalDpi xmlns:a14="http://schemas.microsoft.com/office/drawing/2010/main" val="0"/>
+              </a:ext>
+            </a:extLst>
+          </a:blip>
+          <a:stretch>
+            <a:fillRect/>
+          </a:stretch>
+        </p:blipFill>
+        <p:spPr>
+          <a:xfrm>
+            <a:off x="4572000" y="1543671"/>
             <a:ext cx="4179672" cy="348306"/>
           </a:xfrm>
           <a:prstGeom prst="rect">
@@ -5128,7 +5168,7 @@
           <p:nvPr/>
         </p:nvPicPr>
         <p:blipFill>
-          <a:blip r:embed="rId4">
+          <a:blip r:embed="rId3">
             <a:extLst>
               <a:ext uri="{28A0092B-C50C-407E-A947-70E740481C1C}">
                 <a14:useLocalDpi xmlns:a14="http://schemas.microsoft.com/office/drawing/2010/main" val="0"/>
@@ -5141,7 +5181,7 @@
         </p:blipFill>
         <p:spPr>
           <a:xfrm>
-            <a:off x="4211960" y="6147845"/>
+            <a:off x="4583980" y="2276872"/>
             <a:ext cx="4179672" cy="305491"/>
           </a:xfrm>
           <a:prstGeom prst="rect">
@@ -5150,6 +5190,11 @@
         </p:spPr>
       </p:pic>
     </p:spTree>
+    <p:extLst>
+      <p:ext uri="{BB962C8B-B14F-4D97-AF65-F5344CB8AC3E}">
+        <p14:creationId xmlns:p14="http://schemas.microsoft.com/office/powerpoint/2010/main" val="2124862159"/>
+      </p:ext>
+    </p:extLst>
   </p:cSld>
   <p:clrMapOvr>
     <a:masterClrMapping/>
